--- a/MouseGame.pptx
+++ b/MouseGame.pptx
@@ -5,8 +5,10 @@
     <p:sldMasterId id="2147483660" r:id="rId1"/>
   </p:sldMasterIdLst>
   <p:sldIdLst>
-    <p:sldId id="256" r:id="rId2"/>
+    <p:sldId id="259" r:id="rId2"/>
     <p:sldId id="257" r:id="rId3"/>
+    <p:sldId id="262" r:id="rId4"/>
+    <p:sldId id="260" r:id="rId5"/>
   </p:sldIdLst>
   <p:sldSz cx="9144000" cy="6858000" type="screen4x3"/>
   <p:notesSz cx="6858000" cy="9144000"/>
@@ -244,7 +246,7 @@
           <a:p>
             <a:fld id="{B398E03D-2170-4CD6-957F-7FE9CC42FCA3}" type="datetimeFigureOut">
               <a:rPr lang="ko-KR" altLang="en-US" smtClean="0"/>
-              <a:t>2018-04-09</a:t>
+              <a:t>2018-04-10</a:t>
             </a:fld>
             <a:endParaRPr lang="ko-KR" altLang="en-US"/>
           </a:p>
@@ -414,7 +416,7 @@
           <a:p>
             <a:fld id="{B398E03D-2170-4CD6-957F-7FE9CC42FCA3}" type="datetimeFigureOut">
               <a:rPr lang="ko-KR" altLang="en-US" smtClean="0"/>
-              <a:t>2018-04-09</a:t>
+              <a:t>2018-04-10</a:t>
             </a:fld>
             <a:endParaRPr lang="ko-KR" altLang="en-US"/>
           </a:p>
@@ -594,7 +596,7 @@
           <a:p>
             <a:fld id="{B398E03D-2170-4CD6-957F-7FE9CC42FCA3}" type="datetimeFigureOut">
               <a:rPr lang="ko-KR" altLang="en-US" smtClean="0"/>
-              <a:t>2018-04-09</a:t>
+              <a:t>2018-04-10</a:t>
             </a:fld>
             <a:endParaRPr lang="ko-KR" altLang="en-US"/>
           </a:p>
@@ -764,7 +766,7 @@
           <a:p>
             <a:fld id="{B398E03D-2170-4CD6-957F-7FE9CC42FCA3}" type="datetimeFigureOut">
               <a:rPr lang="ko-KR" altLang="en-US" smtClean="0"/>
-              <a:t>2018-04-09</a:t>
+              <a:t>2018-04-10</a:t>
             </a:fld>
             <a:endParaRPr lang="ko-KR" altLang="en-US"/>
           </a:p>
@@ -1008,7 +1010,7 @@
           <a:p>
             <a:fld id="{B398E03D-2170-4CD6-957F-7FE9CC42FCA3}" type="datetimeFigureOut">
               <a:rPr lang="ko-KR" altLang="en-US" smtClean="0"/>
-              <a:t>2018-04-09</a:t>
+              <a:t>2018-04-10</a:t>
             </a:fld>
             <a:endParaRPr lang="ko-KR" altLang="en-US"/>
           </a:p>
@@ -1240,7 +1242,7 @@
           <a:p>
             <a:fld id="{B398E03D-2170-4CD6-957F-7FE9CC42FCA3}" type="datetimeFigureOut">
               <a:rPr lang="ko-KR" altLang="en-US" smtClean="0"/>
-              <a:t>2018-04-09</a:t>
+              <a:t>2018-04-10</a:t>
             </a:fld>
             <a:endParaRPr lang="ko-KR" altLang="en-US"/>
           </a:p>
@@ -1607,7 +1609,7 @@
           <a:p>
             <a:fld id="{B398E03D-2170-4CD6-957F-7FE9CC42FCA3}" type="datetimeFigureOut">
               <a:rPr lang="ko-KR" altLang="en-US" smtClean="0"/>
-              <a:t>2018-04-09</a:t>
+              <a:t>2018-04-10</a:t>
             </a:fld>
             <a:endParaRPr lang="ko-KR" altLang="en-US"/>
           </a:p>
@@ -1725,7 +1727,7 @@
           <a:p>
             <a:fld id="{B398E03D-2170-4CD6-957F-7FE9CC42FCA3}" type="datetimeFigureOut">
               <a:rPr lang="ko-KR" altLang="en-US" smtClean="0"/>
-              <a:t>2018-04-09</a:t>
+              <a:t>2018-04-10</a:t>
             </a:fld>
             <a:endParaRPr lang="ko-KR" altLang="en-US"/>
           </a:p>
@@ -1820,7 +1822,7 @@
           <a:p>
             <a:fld id="{B398E03D-2170-4CD6-957F-7FE9CC42FCA3}" type="datetimeFigureOut">
               <a:rPr lang="ko-KR" altLang="en-US" smtClean="0"/>
-              <a:t>2018-04-09</a:t>
+              <a:t>2018-04-10</a:t>
             </a:fld>
             <a:endParaRPr lang="ko-KR" altLang="en-US"/>
           </a:p>
@@ -2097,7 +2099,7 @@
           <a:p>
             <a:fld id="{B398E03D-2170-4CD6-957F-7FE9CC42FCA3}" type="datetimeFigureOut">
               <a:rPr lang="ko-KR" altLang="en-US" smtClean="0"/>
-              <a:t>2018-04-09</a:t>
+              <a:t>2018-04-10</a:t>
             </a:fld>
             <a:endParaRPr lang="ko-KR" altLang="en-US"/>
           </a:p>
@@ -2354,7 +2356,7 @@
           <a:p>
             <a:fld id="{B398E03D-2170-4CD6-957F-7FE9CC42FCA3}" type="datetimeFigureOut">
               <a:rPr lang="ko-KR" altLang="en-US" smtClean="0"/>
-              <a:t>2018-04-09</a:t>
+              <a:t>2018-04-10</a:t>
             </a:fld>
             <a:endParaRPr lang="ko-KR" altLang="en-US"/>
           </a:p>
@@ -2567,7 +2569,7 @@
           <a:p>
             <a:fld id="{B398E03D-2170-4CD6-957F-7FE9CC42FCA3}" type="datetimeFigureOut">
               <a:rPr lang="ko-KR" altLang="en-US" smtClean="0"/>
-              <a:t>2018-04-09</a:t>
+              <a:t>2018-04-10</a:t>
             </a:fld>
             <a:endParaRPr lang="ko-KR" altLang="en-US"/>
           </a:p>
@@ -2958,14 +2960,6 @@
 <file path=ppt/slides/slide1.xml><?xml version="1.0" encoding="utf-8"?>
 <p:sld xmlns:a="http://schemas.openxmlformats.org/drawingml/2006/main" xmlns:r="http://schemas.openxmlformats.org/officeDocument/2006/relationships" xmlns:p="http://schemas.openxmlformats.org/presentationml/2006/main">
   <p:cSld>
-    <p:bg>
-      <p:bgPr>
-        <a:solidFill>
-          <a:schemeClr val="bg1"/>
-        </a:solidFill>
-        <a:effectLst/>
-      </p:bgPr>
-    </p:bg>
     <p:spTree>
       <p:nvGrpSpPr>
         <p:cNvPr id="1" name=""/>
@@ -2982,236 +2976,52 @@
       </p:grpSpPr>
       <p:sp>
         <p:nvSpPr>
-          <p:cNvPr id="4" name="TextBox 3"/>
-          <p:cNvSpPr txBox="1"/>
-          <p:nvPr/>
-        </p:nvSpPr>
-        <p:spPr>
-          <a:xfrm>
-            <a:off x="614055" y="3506077"/>
-            <a:ext cx="3505319" cy="769441"/>
-          </a:xfrm>
-          <a:prstGeom prst="rect">
-            <a:avLst/>
-          </a:prstGeom>
-          <a:noFill/>
-        </p:spPr>
-        <p:txBody>
-          <a:bodyPr wrap="none" rtlCol="0">
-            <a:spAutoFit/>
-          </a:bodyPr>
-          <a:lstStyle/>
-          <a:p>
-            <a:r>
-              <a:rPr lang="en-US" altLang="ko-KR" sz="4400" b="1" dirty="0" smtClean="0">
-                <a:latin typeface="나눔바른고딕 Light" panose="020B0603020101020101" pitchFamily="50" charset="-127"/>
-                <a:ea typeface="나눔바른고딕 Light" panose="020B0603020101020101" pitchFamily="50" charset="-127"/>
-              </a:rPr>
-              <a:t>Mouse Game</a:t>
-            </a:r>
-            <a:endParaRPr lang="ko-KR" altLang="en-US" sz="4400" b="1" dirty="0">
-              <a:latin typeface="나눔바른고딕 Light" panose="020B0603020101020101" pitchFamily="50" charset="-127"/>
-              <a:ea typeface="나눔바른고딕 Light" panose="020B0603020101020101" pitchFamily="50" charset="-127"/>
-            </a:endParaRPr>
-          </a:p>
-        </p:txBody>
-      </p:sp>
-      <p:sp>
-        <p:nvSpPr>
-          <p:cNvPr id="5" name="TextBox 4"/>
-          <p:cNvSpPr txBox="1"/>
-          <p:nvPr/>
-        </p:nvSpPr>
-        <p:spPr>
-          <a:xfrm>
-            <a:off x="1933866" y="4618394"/>
-            <a:ext cx="981935" cy="338554"/>
-          </a:xfrm>
-          <a:prstGeom prst="rect">
-            <a:avLst/>
-          </a:prstGeom>
-          <a:noFill/>
-        </p:spPr>
-        <p:txBody>
-          <a:bodyPr wrap="none" rtlCol="0">
-            <a:spAutoFit/>
-          </a:bodyPr>
-          <a:lstStyle/>
-          <a:p>
-            <a:r>
-              <a:rPr lang="en-US" altLang="ko-KR" sz="1600" spc="300" dirty="0" smtClean="0">
-                <a:latin typeface="나눔바른고딕" panose="020B0603020101020101" pitchFamily="50" charset="-127"/>
-                <a:ea typeface="나눔바른고딕" panose="020B0603020101020101" pitchFamily="50" charset="-127"/>
-              </a:rPr>
-              <a:t>START</a:t>
-            </a:r>
-            <a:endParaRPr lang="en-US" altLang="ko-KR" sz="1600" spc="300" dirty="0" smtClean="0">
-              <a:latin typeface="나눔바른고딕" panose="020B0603020101020101" pitchFamily="50" charset="-127"/>
-              <a:ea typeface="나눔바른고딕" panose="020B0603020101020101" pitchFamily="50" charset="-127"/>
-            </a:endParaRPr>
-          </a:p>
-        </p:txBody>
-      </p:sp>
-      <p:sp>
-        <p:nvSpPr>
-          <p:cNvPr id="6" name="TextBox 5"/>
-          <p:cNvSpPr txBox="1"/>
-          <p:nvPr/>
-        </p:nvSpPr>
-        <p:spPr>
-          <a:xfrm>
-            <a:off x="1847358" y="5059148"/>
-            <a:ext cx="1167307" cy="338554"/>
-          </a:xfrm>
-          <a:prstGeom prst="rect">
-            <a:avLst/>
-          </a:prstGeom>
-          <a:noFill/>
-        </p:spPr>
-        <p:txBody>
-          <a:bodyPr wrap="none" rtlCol="0">
-            <a:spAutoFit/>
-          </a:bodyPr>
-          <a:lstStyle/>
-          <a:p>
-            <a:r>
-              <a:rPr lang="en-US" altLang="ko-KR" sz="1600" spc="300" dirty="0" smtClean="0">
-                <a:latin typeface="나눔바른고딕" panose="020B0603020101020101" pitchFamily="50" charset="-127"/>
-                <a:ea typeface="나눔바른고딕" panose="020B0603020101020101" pitchFamily="50" charset="-127"/>
-              </a:rPr>
-              <a:t>OPTION</a:t>
-            </a:r>
-            <a:endParaRPr lang="ko-KR" altLang="en-US" sz="1600" spc="300" dirty="0">
-              <a:latin typeface="나눔바른고딕" panose="020B0603020101020101" pitchFamily="50" charset="-127"/>
-              <a:ea typeface="나눔바른고딕" panose="020B0603020101020101" pitchFamily="50" charset="-127"/>
-            </a:endParaRPr>
-          </a:p>
-        </p:txBody>
-      </p:sp>
-      <p:sp>
-        <p:nvSpPr>
-          <p:cNvPr id="7" name="TextBox 6"/>
-          <p:cNvSpPr txBox="1"/>
-          <p:nvPr/>
-        </p:nvSpPr>
-        <p:spPr>
-          <a:xfrm>
-            <a:off x="1871399" y="5499902"/>
-            <a:ext cx="1119217" cy="338554"/>
-          </a:xfrm>
-          <a:prstGeom prst="rect">
-            <a:avLst/>
-          </a:prstGeom>
-          <a:noFill/>
-        </p:spPr>
-        <p:txBody>
-          <a:bodyPr wrap="none" rtlCol="0">
-            <a:spAutoFit/>
-          </a:bodyPr>
-          <a:lstStyle/>
-          <a:p>
-            <a:r>
-              <a:rPr lang="en-US" altLang="ko-KR" sz="1600" spc="300" dirty="0" smtClean="0">
-                <a:latin typeface="나눔바른고딕" panose="020B0603020101020101" pitchFamily="50" charset="-127"/>
-                <a:ea typeface="나눔바른고딕" panose="020B0603020101020101" pitchFamily="50" charset="-127"/>
-              </a:rPr>
-              <a:t>CREDIT</a:t>
-            </a:r>
-            <a:endParaRPr lang="en-US" altLang="ko-KR" sz="1600" spc="300" dirty="0" smtClean="0">
-              <a:latin typeface="나눔바른고딕" panose="020B0603020101020101" pitchFamily="50" charset="-127"/>
-              <a:ea typeface="나눔바른고딕" panose="020B0603020101020101" pitchFamily="50" charset="-127"/>
-            </a:endParaRPr>
-          </a:p>
-        </p:txBody>
-      </p:sp>
-      <p:sp>
-        <p:nvSpPr>
-          <p:cNvPr id="8" name="TextBox 7"/>
-          <p:cNvSpPr txBox="1"/>
-          <p:nvPr/>
-        </p:nvSpPr>
-        <p:spPr>
-          <a:xfrm>
-            <a:off x="2042356" y="5940656"/>
-            <a:ext cx="764953" cy="338554"/>
-          </a:xfrm>
-          <a:prstGeom prst="rect">
-            <a:avLst/>
-          </a:prstGeom>
-          <a:noFill/>
-        </p:spPr>
-        <p:txBody>
-          <a:bodyPr wrap="none" rtlCol="0">
-            <a:spAutoFit/>
-          </a:bodyPr>
-          <a:lstStyle/>
-          <a:p>
-            <a:r>
-              <a:rPr lang="en-US" altLang="ko-KR" sz="1600" spc="300" dirty="0" smtClean="0">
-                <a:latin typeface="나눔바른고딕" panose="020B0603020101020101" pitchFamily="50" charset="-127"/>
-                <a:ea typeface="나눔바른고딕" panose="020B0603020101020101" pitchFamily="50" charset="-127"/>
-              </a:rPr>
-              <a:t>EXIT</a:t>
-            </a:r>
-            <a:endParaRPr lang="ko-KR" altLang="en-US" sz="1600" spc="300" dirty="0">
-              <a:latin typeface="나눔바른고딕" panose="020B0603020101020101" pitchFamily="50" charset="-127"/>
-              <a:ea typeface="나눔바른고딕" panose="020B0603020101020101" pitchFamily="50" charset="-127"/>
-            </a:endParaRPr>
-          </a:p>
-        </p:txBody>
-      </p:sp>
-      <p:cxnSp>
-        <p:nvCxnSpPr>
-          <p:cNvPr id="13" name="직선 연결선 12"/>
-          <p:cNvCxnSpPr/>
-          <p:nvPr/>
-        </p:nvCxnSpPr>
-        <p:spPr>
-          <a:xfrm>
-            <a:off x="714919" y="4346599"/>
-            <a:ext cx="3266531" cy="0"/>
-          </a:xfrm>
-          <a:prstGeom prst="line">
-            <a:avLst/>
-          </a:prstGeom>
-          <a:ln w="31750">
-            <a:solidFill>
-              <a:schemeClr val="tx1"/>
-            </a:solidFill>
-          </a:ln>
-        </p:spPr>
-        <p:style>
-          <a:lnRef idx="1">
-            <a:schemeClr val="dk1"/>
-          </a:lnRef>
-          <a:fillRef idx="0">
-            <a:schemeClr val="dk1"/>
-          </a:fillRef>
-          <a:effectRef idx="0">
-            <a:schemeClr val="dk1"/>
-          </a:effectRef>
-          <a:fontRef idx="minor">
-            <a:schemeClr val="tx1"/>
-          </a:fontRef>
-        </p:style>
-      </p:cxnSp>
+          <p:cNvPr id="2" name="제목 1"/>
+          <p:cNvSpPr>
+            <a:spLocks noGrp="1"/>
+          </p:cNvSpPr>
+          <p:nvPr>
+            <p:ph type="ctrTitle"/>
+          </p:nvPr>
+        </p:nvSpPr>
+        <p:spPr/>
+        <p:txBody>
+          <a:bodyPr/>
+          <a:lstStyle/>
+          <a:p>
+            <a:endParaRPr lang="ko-KR" altLang="en-US"/>
+          </a:p>
+        </p:txBody>
+      </p:sp>
+      <p:sp>
+        <p:nvSpPr>
+          <p:cNvPr id="3" name="부제목 2"/>
+          <p:cNvSpPr>
+            <a:spLocks noGrp="1"/>
+          </p:cNvSpPr>
+          <p:nvPr>
+            <p:ph type="subTitle" idx="1"/>
+          </p:nvPr>
+        </p:nvSpPr>
+        <p:spPr/>
+        <p:txBody>
+          <a:bodyPr/>
+          <a:lstStyle/>
+          <a:p>
+            <a:endParaRPr lang="ko-KR" altLang="en-US"/>
+          </a:p>
+        </p:txBody>
+      </p:sp>
     </p:spTree>
     <p:extLst>
       <p:ext uri="{BB962C8B-B14F-4D97-AF65-F5344CB8AC3E}">
-        <p14:creationId xmlns:p14="http://schemas.microsoft.com/office/powerpoint/2010/main" val="2247734545"/>
+        <p14:creationId xmlns:p14="http://schemas.microsoft.com/office/powerpoint/2010/main" val="1129626354"/>
       </p:ext>
     </p:extLst>
   </p:cSld>
   <p:clrMapOvr>
     <a:masterClrMapping/>
   </p:clrMapOvr>
-  <p:timing>
-    <p:tnLst>
-      <p:par>
-        <p:cTn id="1" dur="indefinite" restart="never" nodeType="tmRoot"/>
-      </p:par>
-    </p:tnLst>
-  </p:timing>
 </p:sld>
 </file>
 
@@ -3232,6 +3042,30 @@
           <a:chExt cx="0" cy="0"/>
         </a:xfrm>
       </p:grpSpPr>
+      <p:pic>
+        <p:nvPicPr>
+          <p:cNvPr id="2" name="그림 1"/>
+          <p:cNvPicPr>
+            <a:picLocks noChangeAspect="1"/>
+          </p:cNvPicPr>
+          <p:nvPr/>
+        </p:nvPicPr>
+        <p:blipFill>
+          <a:blip r:embed="rId2"/>
+          <a:stretch>
+            <a:fillRect/>
+          </a:stretch>
+        </p:blipFill>
+        <p:spPr>
+          <a:xfrm>
+            <a:off x="-314325" y="-690685"/>
+            <a:ext cx="9791130" cy="7634409"/>
+          </a:xfrm>
+          <a:prstGeom prst="rect">
+            <a:avLst/>
+          </a:prstGeom>
+        </p:spPr>
+      </p:pic>
     </p:spTree>
     <p:extLst>
       <p:ext uri="{BB962C8B-B14F-4D97-AF65-F5344CB8AC3E}">
@@ -3249,6 +3083,696 @@
       </p:par>
     </p:tnLst>
   </p:timing>
+</p:sld>
+</file>
+
+<file path=ppt/slides/slide3.xml><?xml version="1.0" encoding="utf-8"?>
+<p:sld xmlns:a="http://schemas.openxmlformats.org/drawingml/2006/main" xmlns:r="http://schemas.openxmlformats.org/officeDocument/2006/relationships" xmlns:p="http://schemas.openxmlformats.org/presentationml/2006/main">
+  <p:cSld>
+    <p:spTree>
+      <p:nvGrpSpPr>
+        <p:cNvPr id="1" name=""/>
+        <p:cNvGrpSpPr/>
+        <p:nvPr/>
+      </p:nvGrpSpPr>
+      <p:grpSpPr>
+        <a:xfrm>
+          <a:off x="0" y="0"/>
+          <a:ext cx="0" cy="0"/>
+          <a:chOff x="0" y="0"/>
+          <a:chExt cx="0" cy="0"/>
+        </a:xfrm>
+      </p:grpSpPr>
+      <p:sp>
+        <p:nvSpPr>
+          <p:cNvPr id="2" name="제목 1"/>
+          <p:cNvSpPr>
+            <a:spLocks noGrp="1"/>
+          </p:cNvSpPr>
+          <p:nvPr>
+            <p:ph type="title"/>
+          </p:nvPr>
+        </p:nvSpPr>
+        <p:spPr/>
+        <p:txBody>
+          <a:bodyPr/>
+          <a:lstStyle/>
+          <a:p>
+            <a:r>
+              <a:rPr lang="ko-KR" altLang="en-US" dirty="0" smtClean="0"/>
+              <a:t>챕터 들</a:t>
+            </a:r>
+            <a:endParaRPr lang="ko-KR" altLang="en-US" dirty="0"/>
+          </a:p>
+        </p:txBody>
+      </p:sp>
+      <p:pic>
+        <p:nvPicPr>
+          <p:cNvPr id="3" name="그림 2"/>
+          <p:cNvPicPr>
+            <a:picLocks noChangeAspect="1"/>
+          </p:cNvPicPr>
+          <p:nvPr/>
+        </p:nvPicPr>
+        <p:blipFill>
+          <a:blip r:embed="rId2">
+            <a:extLst>
+              <a:ext uri="{28A0092B-C50C-407E-A947-70E740481C1C}">
+                <a14:useLocalDpi xmlns:a14="http://schemas.microsoft.com/office/drawing/2010/main" val="0"/>
+              </a:ext>
+            </a:extLst>
+          </a:blip>
+          <a:stretch>
+            <a:fillRect/>
+          </a:stretch>
+        </p:blipFill>
+        <p:spPr>
+          <a:xfrm>
+            <a:off x="1042784" y="2714791"/>
+            <a:ext cx="653993" cy="653993"/>
+          </a:xfrm>
+          <a:prstGeom prst="rect">
+            <a:avLst/>
+          </a:prstGeom>
+        </p:spPr>
+      </p:pic>
+      <p:cxnSp>
+        <p:nvCxnSpPr>
+          <p:cNvPr id="4" name="직선 연결선 3"/>
+          <p:cNvCxnSpPr/>
+          <p:nvPr/>
+        </p:nvCxnSpPr>
+        <p:spPr>
+          <a:xfrm flipV="1">
+            <a:off x="2002080" y="2913573"/>
+            <a:ext cx="694047" cy="455211"/>
+          </a:xfrm>
+          <a:prstGeom prst="line">
+            <a:avLst/>
+          </a:prstGeom>
+          <a:ln w="50800">
+            <a:solidFill>
+              <a:schemeClr val="tx1"/>
+            </a:solidFill>
+          </a:ln>
+        </p:spPr>
+        <p:style>
+          <a:lnRef idx="1">
+            <a:schemeClr val="accent1"/>
+          </a:lnRef>
+          <a:fillRef idx="0">
+            <a:schemeClr val="accent1"/>
+          </a:fillRef>
+          <a:effectRef idx="0">
+            <a:schemeClr val="accent1"/>
+          </a:effectRef>
+          <a:fontRef idx="minor">
+            <a:schemeClr val="tx1"/>
+          </a:fontRef>
+        </p:style>
+      </p:cxnSp>
+      <p:cxnSp>
+        <p:nvCxnSpPr>
+          <p:cNvPr id="5" name="직선 연결선 4"/>
+          <p:cNvCxnSpPr/>
+          <p:nvPr/>
+        </p:nvCxnSpPr>
+        <p:spPr>
+          <a:xfrm rot="-2340000" flipV="1">
+            <a:off x="2401510" y="4379264"/>
+            <a:ext cx="1339602" cy="878618"/>
+          </a:xfrm>
+          <a:prstGeom prst="line">
+            <a:avLst/>
+          </a:prstGeom>
+          <a:ln w="50800">
+            <a:solidFill>
+              <a:schemeClr val="tx1"/>
+            </a:solidFill>
+          </a:ln>
+        </p:spPr>
+        <p:style>
+          <a:lnRef idx="1">
+            <a:schemeClr val="accent1"/>
+          </a:lnRef>
+          <a:fillRef idx="0">
+            <a:schemeClr val="accent1"/>
+          </a:fillRef>
+          <a:effectRef idx="0">
+            <a:schemeClr val="accent1"/>
+          </a:effectRef>
+          <a:fontRef idx="minor">
+            <a:schemeClr val="tx1"/>
+          </a:fontRef>
+        </p:style>
+      </p:cxnSp>
+      <p:pic>
+        <p:nvPicPr>
+          <p:cNvPr id="6" name="그림 5"/>
+          <p:cNvPicPr>
+            <a:picLocks noChangeAspect="1"/>
+          </p:cNvPicPr>
+          <p:nvPr/>
+        </p:nvPicPr>
+        <p:blipFill>
+          <a:blip r:embed="rId3">
+            <a:extLst>
+              <a:ext uri="{28A0092B-C50C-407E-A947-70E740481C1C}">
+                <a14:useLocalDpi xmlns:a14="http://schemas.microsoft.com/office/drawing/2010/main" val="0"/>
+              </a:ext>
+            </a:extLst>
+          </a:blip>
+          <a:stretch>
+            <a:fillRect/>
+          </a:stretch>
+        </p:blipFill>
+        <p:spPr>
+          <a:xfrm>
+            <a:off x="4206339" y="2584587"/>
+            <a:ext cx="914400" cy="914400"/>
+          </a:xfrm>
+          <a:prstGeom prst="rect">
+            <a:avLst/>
+          </a:prstGeom>
+          <a:ln>
+            <a:solidFill>
+              <a:schemeClr val="tx1"/>
+            </a:solidFill>
+          </a:ln>
+        </p:spPr>
+      </p:pic>
+      <p:pic>
+        <p:nvPicPr>
+          <p:cNvPr id="7" name="그림 6"/>
+          <p:cNvPicPr>
+            <a:picLocks noChangeAspect="1"/>
+          </p:cNvPicPr>
+          <p:nvPr/>
+        </p:nvPicPr>
+        <p:blipFill>
+          <a:blip r:embed="rId4">
+            <a:extLst>
+              <a:ext uri="{28A0092B-C50C-407E-A947-70E740481C1C}">
+                <a14:useLocalDpi xmlns:a14="http://schemas.microsoft.com/office/drawing/2010/main" val="0"/>
+              </a:ext>
+            </a:extLst>
+          </a:blip>
+          <a:stretch>
+            <a:fillRect/>
+          </a:stretch>
+        </p:blipFill>
+        <p:spPr>
+          <a:xfrm rot="14381705">
+            <a:off x="6553817" y="4086109"/>
+            <a:ext cx="1080997" cy="1080997"/>
+          </a:xfrm>
+          <a:prstGeom prst="rect">
+            <a:avLst/>
+          </a:prstGeom>
+        </p:spPr>
+      </p:pic>
+      <p:sp>
+        <p:nvSpPr>
+          <p:cNvPr id="8" name="사각형 설명선 7"/>
+          <p:cNvSpPr/>
+          <p:nvPr/>
+        </p:nvSpPr>
+        <p:spPr>
+          <a:xfrm>
+            <a:off x="6708996" y="3597882"/>
+            <a:ext cx="910264" cy="289348"/>
+          </a:xfrm>
+          <a:prstGeom prst="wedgeRectCallout">
+            <a:avLst>
+              <a:gd name="adj1" fmla="val -14539"/>
+              <a:gd name="adj2" fmla="val 144079"/>
+            </a:avLst>
+          </a:prstGeom>
+        </p:spPr>
+        <p:style>
+          <a:lnRef idx="2">
+            <a:schemeClr val="accent1">
+              <a:shade val="50000"/>
+            </a:schemeClr>
+          </a:lnRef>
+          <a:fillRef idx="1">
+            <a:schemeClr val="accent1"/>
+          </a:fillRef>
+          <a:effectRef idx="0">
+            <a:schemeClr val="accent1"/>
+          </a:effectRef>
+          <a:fontRef idx="minor">
+            <a:schemeClr val="lt1"/>
+          </a:fontRef>
+        </p:style>
+        <p:txBody>
+          <a:bodyPr rtlCol="0" anchor="ctr"/>
+          <a:lstStyle/>
+          <a:p>
+            <a:pPr algn="ctr"/>
+            <a:r>
+              <a:rPr lang="ko-KR" altLang="en-US" sz="900" dirty="0" smtClean="0"/>
+              <a:t>저작권 이미지 일 수 있음</a:t>
+            </a:r>
+            <a:endParaRPr lang="ko-KR" altLang="en-US" sz="900" dirty="0"/>
+          </a:p>
+        </p:txBody>
+      </p:sp>
+      <p:pic>
+        <p:nvPicPr>
+          <p:cNvPr id="9" name="그림 8"/>
+          <p:cNvPicPr>
+            <a:picLocks noChangeAspect="1"/>
+          </p:cNvPicPr>
+          <p:nvPr/>
+        </p:nvPicPr>
+        <p:blipFill>
+          <a:blip r:embed="rId5">
+            <a:extLst>
+              <a:ext uri="{28A0092B-C50C-407E-A947-70E740481C1C}">
+                <a14:useLocalDpi xmlns:a14="http://schemas.microsoft.com/office/drawing/2010/main" val="0"/>
+              </a:ext>
+            </a:extLst>
+          </a:blip>
+          <a:stretch>
+            <a:fillRect/>
+          </a:stretch>
+        </p:blipFill>
+        <p:spPr>
+          <a:xfrm>
+            <a:off x="5495924" y="2649563"/>
+            <a:ext cx="932687" cy="728662"/>
+          </a:xfrm>
+          <a:prstGeom prst="rect">
+            <a:avLst/>
+          </a:prstGeom>
+        </p:spPr>
+      </p:pic>
+    </p:spTree>
+    <p:extLst>
+      <p:ext uri="{BB962C8B-B14F-4D97-AF65-F5344CB8AC3E}">
+        <p14:creationId xmlns:p14="http://schemas.microsoft.com/office/powerpoint/2010/main" val="1305183239"/>
+      </p:ext>
+    </p:extLst>
+  </p:cSld>
+  <p:clrMapOvr>
+    <a:masterClrMapping/>
+  </p:clrMapOvr>
+</p:sld>
+</file>
+
+<file path=ppt/slides/slide4.xml><?xml version="1.0" encoding="utf-8"?>
+<p:sld xmlns:a="http://schemas.openxmlformats.org/drawingml/2006/main" xmlns:r="http://schemas.openxmlformats.org/officeDocument/2006/relationships" xmlns:p="http://schemas.openxmlformats.org/presentationml/2006/main">
+  <p:cSld>
+    <p:spTree>
+      <p:nvGrpSpPr>
+        <p:cNvPr id="1" name=""/>
+        <p:cNvGrpSpPr/>
+        <p:nvPr/>
+      </p:nvGrpSpPr>
+      <p:grpSpPr>
+        <a:xfrm>
+          <a:off x="0" y="0"/>
+          <a:ext cx="0" cy="0"/>
+          <a:chOff x="0" y="0"/>
+          <a:chExt cx="0" cy="0"/>
+        </a:xfrm>
+      </p:grpSpPr>
+      <p:sp>
+        <p:nvSpPr>
+          <p:cNvPr id="2" name="TextBox 1"/>
+          <p:cNvSpPr txBox="1"/>
+          <p:nvPr/>
+        </p:nvSpPr>
+        <p:spPr>
+          <a:xfrm>
+            <a:off x="230588" y="6264136"/>
+            <a:ext cx="977512" cy="400110"/>
+          </a:xfrm>
+          <a:prstGeom prst="rect">
+            <a:avLst/>
+          </a:prstGeom>
+          <a:noFill/>
+        </p:spPr>
+        <p:txBody>
+          <a:bodyPr wrap="none" rtlCol="0">
+            <a:spAutoFit/>
+          </a:bodyPr>
+          <a:lstStyle/>
+          <a:p>
+            <a:r>
+              <a:rPr lang="en-US" altLang="ko-KR" sz="2000" spc="300" dirty="0" smtClean="0">
+                <a:latin typeface="나눔바른고딕" panose="020B0603020101020101" pitchFamily="50" charset="-127"/>
+                <a:ea typeface="나눔바른고딕" panose="020B0603020101020101" pitchFamily="50" charset="-127"/>
+              </a:rPr>
+              <a:t>BACK</a:t>
+            </a:r>
+            <a:endParaRPr lang="ko-KR" altLang="en-US" sz="2000" spc="300" dirty="0">
+              <a:latin typeface="나눔바른고딕" panose="020B0603020101020101" pitchFamily="50" charset="-127"/>
+              <a:ea typeface="나눔바른고딕" panose="020B0603020101020101" pitchFamily="50" charset="-127"/>
+            </a:endParaRPr>
+          </a:p>
+        </p:txBody>
+      </p:sp>
+      <p:pic>
+        <p:nvPicPr>
+          <p:cNvPr id="3" name="그림 2"/>
+          <p:cNvPicPr>
+            <a:picLocks noChangeAspect="1"/>
+          </p:cNvPicPr>
+          <p:nvPr/>
+        </p:nvPicPr>
+        <p:blipFill>
+          <a:blip r:embed="rId2">
+            <a:extLst>
+              <a:ext uri="{28A0092B-C50C-407E-A947-70E740481C1C}">
+                <a14:useLocalDpi xmlns:a14="http://schemas.microsoft.com/office/drawing/2010/main" val="0"/>
+              </a:ext>
+            </a:extLst>
+          </a:blip>
+          <a:stretch>
+            <a:fillRect/>
+          </a:stretch>
+        </p:blipFill>
+        <p:spPr>
+          <a:xfrm>
+            <a:off x="1080884" y="2838616"/>
+            <a:ext cx="653993" cy="653993"/>
+          </a:xfrm>
+          <a:prstGeom prst="rect">
+            <a:avLst/>
+          </a:prstGeom>
+        </p:spPr>
+      </p:pic>
+      <p:cxnSp>
+        <p:nvCxnSpPr>
+          <p:cNvPr id="5" name="직선 연결선 4"/>
+          <p:cNvCxnSpPr/>
+          <p:nvPr/>
+        </p:nvCxnSpPr>
+        <p:spPr>
+          <a:xfrm flipV="1">
+            <a:off x="2142744" y="3037398"/>
+            <a:ext cx="694047" cy="455211"/>
+          </a:xfrm>
+          <a:prstGeom prst="line">
+            <a:avLst/>
+          </a:prstGeom>
+          <a:ln w="50800">
+            <a:solidFill>
+              <a:schemeClr val="tx1"/>
+            </a:solidFill>
+          </a:ln>
+        </p:spPr>
+        <p:style>
+          <a:lnRef idx="1">
+            <a:schemeClr val="accent1"/>
+          </a:lnRef>
+          <a:fillRef idx="0">
+            <a:schemeClr val="accent1"/>
+          </a:fillRef>
+          <a:effectRef idx="0">
+            <a:schemeClr val="accent1"/>
+          </a:effectRef>
+          <a:fontRef idx="minor">
+            <a:schemeClr val="tx1"/>
+          </a:fontRef>
+        </p:style>
+      </p:cxnSp>
+      <p:cxnSp>
+        <p:nvCxnSpPr>
+          <p:cNvPr id="7" name="직선 연결선 6"/>
+          <p:cNvCxnSpPr/>
+          <p:nvPr/>
+        </p:nvCxnSpPr>
+        <p:spPr>
+          <a:xfrm rot="-2340000" flipV="1">
+            <a:off x="2852813" y="2374852"/>
+            <a:ext cx="1339602" cy="878618"/>
+          </a:xfrm>
+          <a:prstGeom prst="line">
+            <a:avLst/>
+          </a:prstGeom>
+          <a:ln w="50800">
+            <a:solidFill>
+              <a:schemeClr val="tx1"/>
+            </a:solidFill>
+          </a:ln>
+        </p:spPr>
+        <p:style>
+          <a:lnRef idx="1">
+            <a:schemeClr val="accent1"/>
+          </a:lnRef>
+          <a:fillRef idx="0">
+            <a:schemeClr val="accent1"/>
+          </a:fillRef>
+          <a:effectRef idx="0">
+            <a:schemeClr val="accent1"/>
+          </a:effectRef>
+          <a:fontRef idx="minor">
+            <a:schemeClr val="tx1"/>
+          </a:fontRef>
+        </p:style>
+      </p:cxnSp>
+      <p:pic>
+        <p:nvPicPr>
+          <p:cNvPr id="9" name="그림 8"/>
+          <p:cNvPicPr>
+            <a:picLocks noChangeAspect="1"/>
+          </p:cNvPicPr>
+          <p:nvPr/>
+        </p:nvPicPr>
+        <p:blipFill>
+          <a:blip r:embed="rId3">
+            <a:extLst>
+              <a:ext uri="{28A0092B-C50C-407E-A947-70E740481C1C}">
+                <a14:useLocalDpi xmlns:a14="http://schemas.microsoft.com/office/drawing/2010/main" val="0"/>
+              </a:ext>
+            </a:extLst>
+          </a:blip>
+          <a:stretch>
+            <a:fillRect/>
+          </a:stretch>
+        </p:blipFill>
+        <p:spPr>
+          <a:xfrm>
+            <a:off x="4144591" y="2662688"/>
+            <a:ext cx="914400" cy="914400"/>
+          </a:xfrm>
+          <a:prstGeom prst="rect">
+            <a:avLst/>
+          </a:prstGeom>
+          <a:ln>
+            <a:solidFill>
+              <a:schemeClr val="tx1"/>
+            </a:solidFill>
+          </a:ln>
+        </p:spPr>
+      </p:pic>
+      <p:pic>
+        <p:nvPicPr>
+          <p:cNvPr id="10" name="그림 9"/>
+          <p:cNvPicPr>
+            <a:picLocks noChangeAspect="1"/>
+          </p:cNvPicPr>
+          <p:nvPr/>
+        </p:nvPicPr>
+        <p:blipFill>
+          <a:blip r:embed="rId4">
+            <a:extLst>
+              <a:ext uri="{28A0092B-C50C-407E-A947-70E740481C1C}">
+                <a14:useLocalDpi xmlns:a14="http://schemas.microsoft.com/office/drawing/2010/main" val="0"/>
+              </a:ext>
+            </a:extLst>
+          </a:blip>
+          <a:stretch>
+            <a:fillRect/>
+          </a:stretch>
+        </p:blipFill>
+        <p:spPr>
+          <a:xfrm>
+            <a:off x="5504119" y="2872459"/>
+            <a:ext cx="669844" cy="669844"/>
+          </a:xfrm>
+          <a:prstGeom prst="rect">
+            <a:avLst/>
+          </a:prstGeom>
+        </p:spPr>
+      </p:pic>
+      <p:pic>
+        <p:nvPicPr>
+          <p:cNvPr id="11" name="그림 10"/>
+          <p:cNvPicPr>
+            <a:picLocks noChangeAspect="1"/>
+          </p:cNvPicPr>
+          <p:nvPr/>
+        </p:nvPicPr>
+        <p:blipFill>
+          <a:blip r:embed="rId5">
+            <a:extLst>
+              <a:ext uri="{28A0092B-C50C-407E-A947-70E740481C1C}">
+                <a14:useLocalDpi xmlns:a14="http://schemas.microsoft.com/office/drawing/2010/main" val="0"/>
+              </a:ext>
+            </a:extLst>
+          </a:blip>
+          <a:stretch>
+            <a:fillRect/>
+          </a:stretch>
+        </p:blipFill>
+        <p:spPr>
+          <a:xfrm rot="14381705">
+            <a:off x="6372842" y="2666884"/>
+            <a:ext cx="1080997" cy="1080997"/>
+          </a:xfrm>
+          <a:prstGeom prst="rect">
+            <a:avLst/>
+          </a:prstGeom>
+        </p:spPr>
+      </p:pic>
+      <p:sp>
+        <p:nvSpPr>
+          <p:cNvPr id="12" name="오른쪽 화살표 11"/>
+          <p:cNvSpPr/>
+          <p:nvPr/>
+        </p:nvSpPr>
+        <p:spPr>
+          <a:xfrm>
+            <a:off x="7895244" y="2906199"/>
+            <a:ext cx="824103" cy="636104"/>
+          </a:xfrm>
+          <a:prstGeom prst="rightArrow">
+            <a:avLst/>
+          </a:prstGeom>
+        </p:spPr>
+        <p:style>
+          <a:lnRef idx="2">
+            <a:schemeClr val="accent1">
+              <a:shade val="50000"/>
+            </a:schemeClr>
+          </a:lnRef>
+          <a:fillRef idx="1">
+            <a:schemeClr val="accent1"/>
+          </a:fillRef>
+          <a:effectRef idx="0">
+            <a:schemeClr val="accent1"/>
+          </a:effectRef>
+          <a:fontRef idx="minor">
+            <a:schemeClr val="lt1"/>
+          </a:fontRef>
+        </p:style>
+        <p:txBody>
+          <a:bodyPr rtlCol="0" anchor="ctr"/>
+          <a:lstStyle/>
+          <a:p>
+            <a:pPr algn="ctr"/>
+            <a:endParaRPr lang="ko-KR" altLang="en-US"/>
+          </a:p>
+        </p:txBody>
+      </p:sp>
+      <p:sp>
+        <p:nvSpPr>
+          <p:cNvPr id="13" name="사각형 설명선 12"/>
+          <p:cNvSpPr/>
+          <p:nvPr/>
+        </p:nvSpPr>
+        <p:spPr>
+          <a:xfrm>
+            <a:off x="6528021" y="2178657"/>
+            <a:ext cx="910264" cy="289348"/>
+          </a:xfrm>
+          <a:prstGeom prst="wedgeRectCallout">
+            <a:avLst>
+              <a:gd name="adj1" fmla="val -14539"/>
+              <a:gd name="adj2" fmla="val 144079"/>
+            </a:avLst>
+          </a:prstGeom>
+        </p:spPr>
+        <p:style>
+          <a:lnRef idx="2">
+            <a:schemeClr val="accent1">
+              <a:shade val="50000"/>
+            </a:schemeClr>
+          </a:lnRef>
+          <a:fillRef idx="1">
+            <a:schemeClr val="accent1"/>
+          </a:fillRef>
+          <a:effectRef idx="0">
+            <a:schemeClr val="accent1"/>
+          </a:effectRef>
+          <a:fontRef idx="minor">
+            <a:schemeClr val="lt1"/>
+          </a:fontRef>
+        </p:style>
+        <p:txBody>
+          <a:bodyPr rtlCol="0" anchor="ctr"/>
+          <a:lstStyle/>
+          <a:p>
+            <a:pPr algn="ctr"/>
+            <a:r>
+              <a:rPr lang="ko-KR" altLang="en-US" sz="900" dirty="0" smtClean="0"/>
+              <a:t>저작권 이미지 일 수 있음</a:t>
+            </a:r>
+            <a:endParaRPr lang="ko-KR" altLang="en-US" sz="900" dirty="0"/>
+          </a:p>
+        </p:txBody>
+      </p:sp>
+      <p:sp>
+        <p:nvSpPr>
+          <p:cNvPr id="14" name="사각형 설명선 13"/>
+          <p:cNvSpPr/>
+          <p:nvPr/>
+        </p:nvSpPr>
+        <p:spPr>
+          <a:xfrm>
+            <a:off x="7354957" y="4357315"/>
+            <a:ext cx="1152939" cy="500932"/>
+          </a:xfrm>
+          <a:prstGeom prst="wedgeRectCallout">
+            <a:avLst>
+              <a:gd name="adj1" fmla="val 28290"/>
+              <a:gd name="adj2" fmla="val -158088"/>
+            </a:avLst>
+          </a:prstGeom>
+        </p:spPr>
+        <p:style>
+          <a:lnRef idx="2">
+            <a:schemeClr val="accent1">
+              <a:shade val="50000"/>
+            </a:schemeClr>
+          </a:lnRef>
+          <a:fillRef idx="1">
+            <a:schemeClr val="accent1"/>
+          </a:fillRef>
+          <a:effectRef idx="0">
+            <a:schemeClr val="accent1"/>
+          </a:effectRef>
+          <a:fontRef idx="minor">
+            <a:schemeClr val="lt1"/>
+          </a:fontRef>
+        </p:style>
+        <p:txBody>
+          <a:bodyPr rtlCol="0" anchor="ctr"/>
+          <a:lstStyle/>
+          <a:p>
+            <a:pPr algn="ctr"/>
+            <a:r>
+              <a:rPr lang="ko-KR" altLang="en-US" sz="1050" dirty="0" smtClean="0"/>
+              <a:t>챕터가 많아지면 옆으로 넘어감</a:t>
+            </a:r>
+            <a:endParaRPr lang="ko-KR" altLang="en-US" sz="1050" dirty="0"/>
+          </a:p>
+        </p:txBody>
+      </p:sp>
+    </p:spTree>
+    <p:extLst>
+      <p:ext uri="{BB962C8B-B14F-4D97-AF65-F5344CB8AC3E}">
+        <p14:creationId xmlns:p14="http://schemas.microsoft.com/office/powerpoint/2010/main" val="3533692982"/>
+      </p:ext>
+    </p:extLst>
+  </p:cSld>
+  <p:clrMapOvr>
+    <a:masterClrMapping/>
+  </p:clrMapOvr>
 </p:sld>
 </file>
 
